--- a/certificate_analysis/pv204_project_report.pptx
+++ b/certificate_analysis/pv204_project_report.pptx
@@ -145,6 +145,14 @@
 </p:presentation>
 </file>
 
+<file path=ppt/revisionInfo.xml><?xml version="1.0" encoding="utf-8"?>
+<p1510:revInfo xmlns:a="http://schemas.openxmlformats.org/drawingml/2006/main" xmlns:r="http://schemas.openxmlformats.org/officeDocument/2006/relationships" xmlns:p1510="http://schemas.microsoft.com/office/powerpoint/2015/10/main">
+  <p1510:revLst>
+    <p1510:client id="{71F7E8E8-63C9-777B-2ABF-B238627A0230}" v="4" dt="2020-03-25T22:53:58.544"/>
+  </p1510:revLst>
+</p1510:revInfo>
+</file>
+
 <file path=ppt/notesMasters/notesMaster1.xml><?xml version="1.0" encoding="utf-8"?>
 <p:notesMaster xmlns:a="http://schemas.openxmlformats.org/drawingml/2006/main" xmlns:r="http://schemas.openxmlformats.org/officeDocument/2006/relationships" xmlns:p="http://schemas.openxmlformats.org/presentationml/2006/main">
   <p:cSld>
@@ -227,7 +235,7 @@
           <a:p>
             <a:fld id="{682DB9DD-29FC-4A9E-B9FC-CB413008A6BF}" type="datetimeFigureOut">
               <a:rPr lang="en-US" smtClean="0"/>
-              <a:t>2020-03-25</a:t>
+              <a:t>3/25/2020</a:t>
             </a:fld>
             <a:endParaRPr lang="en-US"/>
           </a:p>
@@ -4101,43 +4109,62 @@
         </p:nvSpPr>
         <p:spPr/>
         <p:txBody>
-          <a:bodyPr>
+          <a:bodyPr vert="horz" lIns="91440" tIns="45720" rIns="91440" bIns="45720" rtlCol="0" anchor="t">
             <a:normAutofit fontScale="92500"/>
           </a:bodyPr>
           <a:lstStyle/>
           <a:p>
             <a:r>
-              <a:rPr lang="en-US" sz="2300" dirty="0"/>
-              <a:t>EAL 4</a:t>
-            </a:r>
-          </a:p>
-          <a:p>
-            <a:r>
-              <a:rPr lang="en-US" sz="2300" dirty="0"/>
+              <a:rPr lang="en-US" sz="2300" dirty="0">
+                <a:latin typeface="Arial"/>
+                <a:cs typeface="Arial"/>
+              </a:rPr>
+              <a:t>EAL 4+</a:t>
+            </a:r>
+            <a:endParaRPr lang="en-US" sz="2300" dirty="0"/>
+          </a:p>
+          <a:p>
+            <a:r>
+              <a:rPr lang="en-US" sz="2300" dirty="0">
+                <a:latin typeface="Arial"/>
+                <a:cs typeface="Arial"/>
+              </a:rPr>
               <a:t>Evaluated by developer and an independent evaluator</a:t>
             </a:r>
           </a:p>
           <a:p>
             <a:r>
-              <a:rPr lang="en-US" sz="2300" dirty="0"/>
+              <a:rPr lang="en-US" sz="2300" dirty="0">
+                <a:latin typeface="Arial"/>
+                <a:cs typeface="Arial"/>
+              </a:rPr>
               <a:t>test procedures = scripts in Ruby, Perl or Shell</a:t>
             </a:r>
           </a:p>
           <a:p>
             <a:r>
-              <a:rPr lang="en-US" sz="2300" dirty="0"/>
+              <a:rPr lang="en-US" sz="2300" dirty="0">
+                <a:latin typeface="Arial"/>
+                <a:cs typeface="Arial"/>
+              </a:rPr>
               <a:t>Developer: local and live tests</a:t>
             </a:r>
           </a:p>
           <a:p>
             <a:r>
-              <a:rPr lang="en-US" sz="2300" dirty="0"/>
+              <a:rPr lang="en-US" sz="2300" dirty="0">
+                <a:latin typeface="Arial"/>
+                <a:cs typeface="Arial"/>
+              </a:rPr>
               <a:t>Independent eval.: only live tests but with additional vulnerability tests</a:t>
             </a:r>
           </a:p>
           <a:p>
             <a:r>
-              <a:rPr lang="en-US" sz="2300" dirty="0"/>
+              <a:rPr lang="en-US" sz="2300" dirty="0">
+                <a:latin typeface="Arial"/>
+                <a:cs typeface="Arial"/>
+              </a:rPr>
               <a:t>Details on the tests are not provided</a:t>
             </a:r>
           </a:p>

--- a/certificate_analysis/pv204_project_report.pptx
+++ b/certificate_analysis/pv204_project_report.pptx
@@ -149,8 +149,70 @@
 <p1510:revInfo xmlns:a="http://schemas.openxmlformats.org/drawingml/2006/main" xmlns:r="http://schemas.openxmlformats.org/officeDocument/2006/relationships" xmlns:p1510="http://schemas.microsoft.com/office/powerpoint/2015/10/main">
   <p1510:revLst>
     <p1510:client id="{71F7E8E8-63C9-777B-2ABF-B238627A0230}" v="4" dt="2020-03-25T22:53:58.544"/>
+    <p1510:client id="{7D557538-294E-AFFE-B168-478C568E4451}" v="23" dt="2020-03-26T07:32:13.605"/>
   </p1510:revLst>
 </p1510:revInfo>
+</file>
+
+<file path=ppt/changesInfos/changesInfo1.xml><?xml version="1.0" encoding="utf-8"?>
+<pc:chgInfo xmlns:a="http://schemas.openxmlformats.org/drawingml/2006/main" xmlns:r="http://schemas.openxmlformats.org/officeDocument/2006/relationships" xmlns:ac="http://schemas.microsoft.com/office/drawing/2013/main/command" xmlns:pc="http://schemas.microsoft.com/office/powerpoint/2013/main/command">
+  <pc:docChgLst>
+    <pc:chgData name="Anh Minh Tran" userId="S::459379@muni.cz::b3788d88-cf3d-4b77-970d-ad61f246fa46" providerId="AD" clId="Web-{71F7E8E8-63C9-777B-2ABF-B238627A0230}"/>
+    <pc:docChg chg="modSld">
+      <pc:chgData name="Anh Minh Tran" userId="S::459379@muni.cz::b3788d88-cf3d-4b77-970d-ad61f246fa46" providerId="AD" clId="Web-{71F7E8E8-63C9-777B-2ABF-B238627A0230}" dt="2020-03-25T22:53:58.544" v="3" actId="20577"/>
+      <pc:docMkLst>
+        <pc:docMk/>
+      </pc:docMkLst>
+      <pc:sldChg chg="modSp">
+        <pc:chgData name="Anh Minh Tran" userId="S::459379@muni.cz::b3788d88-cf3d-4b77-970d-ad61f246fa46" providerId="AD" clId="Web-{71F7E8E8-63C9-777B-2ABF-B238627A0230}" dt="2020-03-25T22:53:58.528" v="2" actId="20577"/>
+        <pc:sldMkLst>
+          <pc:docMk/>
+          <pc:sldMk cId="2167696870" sldId="263"/>
+        </pc:sldMkLst>
+        <pc:spChg chg="mod">
+          <ac:chgData name="Anh Minh Tran" userId="S::459379@muni.cz::b3788d88-cf3d-4b77-970d-ad61f246fa46" providerId="AD" clId="Web-{71F7E8E8-63C9-777B-2ABF-B238627A0230}" dt="2020-03-25T22:53:58.528" v="2" actId="20577"/>
+          <ac:spMkLst>
+            <pc:docMk/>
+            <pc:sldMk cId="2167696870" sldId="263"/>
+            <ac:spMk id="4" creationId="{C476DE12-CA91-4DA8-8433-90973EFA5D5F}"/>
+          </ac:spMkLst>
+        </pc:spChg>
+      </pc:sldChg>
+    </pc:docChg>
+  </pc:docChgLst>
+  <pc:docChgLst>
+    <pc:chgData name="Anh Minh Tran" userId="S::459379@muni.cz::b3788d88-cf3d-4b77-970d-ad61f246fa46" providerId="AD" clId="Web-{7D557538-294E-AFFE-B168-478C568E4451}"/>
+    <pc:docChg chg="modSld">
+      <pc:chgData name="Anh Minh Tran" userId="S::459379@muni.cz::b3788d88-cf3d-4b77-970d-ad61f246fa46" providerId="AD" clId="Web-{7D557538-294E-AFFE-B168-478C568E4451}" dt="2020-03-26T07:32:13.605" v="22" actId="20577"/>
+      <pc:docMkLst>
+        <pc:docMk/>
+      </pc:docMkLst>
+      <pc:sldChg chg="modSp">
+        <pc:chgData name="Anh Minh Tran" userId="S::459379@muni.cz::b3788d88-cf3d-4b77-970d-ad61f246fa46" providerId="AD" clId="Web-{7D557538-294E-AFFE-B168-478C568E4451}" dt="2020-03-26T07:32:13.605" v="21" actId="20577"/>
+        <pc:sldMkLst>
+          <pc:docMk/>
+          <pc:sldMk cId="2167696870" sldId="263"/>
+        </pc:sldMkLst>
+        <pc:spChg chg="mod">
+          <ac:chgData name="Anh Minh Tran" userId="S::459379@muni.cz::b3788d88-cf3d-4b77-970d-ad61f246fa46" providerId="AD" clId="Web-{7D557538-294E-AFFE-B168-478C568E4451}" dt="2020-03-26T07:32:13.605" v="21" actId="20577"/>
+          <ac:spMkLst>
+            <pc:docMk/>
+            <pc:sldMk cId="2167696870" sldId="263"/>
+            <ac:spMk id="3" creationId="{5FECEA1D-D165-4AB9-B5F3-A30CDE4336AB}"/>
+          </ac:spMkLst>
+        </pc:spChg>
+        <pc:spChg chg="mod">
+          <ac:chgData name="Anh Minh Tran" userId="S::459379@muni.cz::b3788d88-cf3d-4b77-970d-ad61f246fa46" providerId="AD" clId="Web-{7D557538-294E-AFFE-B168-478C568E4451}" dt="2020-03-26T07:31:09.886" v="9" actId="20577"/>
+          <ac:spMkLst>
+            <pc:docMk/>
+            <pc:sldMk cId="2167696870" sldId="263"/>
+            <ac:spMk id="4" creationId="{C476DE12-CA91-4DA8-8433-90973EFA5D5F}"/>
+          </ac:spMkLst>
+        </pc:spChg>
+      </pc:sldChg>
+    </pc:docChg>
+  </pc:docChgLst>
+</pc:chgInfo>
 </file>
 
 <file path=ppt/notesMasters/notesMaster1.xml><?xml version="1.0" encoding="utf-8"?>
@@ -235,7 +297,7 @@
           <a:p>
             <a:fld id="{682DB9DD-29FC-4A9E-B9FC-CB413008A6BF}" type="datetimeFigureOut">
               <a:rPr lang="en-US" smtClean="0"/>
-              <a:t>3/25/2020</a:t>
+              <a:t>3/26/2020</a:t>
             </a:fld>
             <a:endParaRPr lang="en-US"/>
           </a:p>
@@ -4055,39 +4117,83 @@
         </p:nvSpPr>
         <p:spPr/>
         <p:txBody>
-          <a:bodyPr>
-            <a:normAutofit fontScale="92500"/>
+          <a:bodyPr vert="horz" lIns="91440" tIns="45720" rIns="91440" bIns="45720" rtlCol="0" anchor="t">
+            <a:normAutofit/>
           </a:bodyPr>
           <a:lstStyle/>
           <a:p>
             <a:r>
-              <a:rPr lang="en-US" sz="1800" dirty="0"/>
-              <a:t>Main functions: </a:t>
-            </a:r>
-          </a:p>
-          <a:p>
-            <a:r>
-              <a:rPr lang="en-US" sz="1800" dirty="0"/>
+              <a:rPr lang="en-US" sz="1800" dirty="0">
+                <a:latin typeface="Arial"/>
+                <a:cs typeface="Arial"/>
+              </a:rPr>
+              <a:t>Main functions: </a:t>
+            </a:r>
+            <a:endParaRPr lang="en-US" sz="1800" dirty="0"/>
+          </a:p>
+          <a:p>
+            <a:pPr lvl="1"/>
+            <a:r>
+              <a:rPr lang="en-US" sz="1400" dirty="0">
+                <a:latin typeface="Arial"/>
+                <a:cs typeface="Arial"/>
+              </a:rPr>
               <a:t>monitoring data traffic</a:t>
             </a:r>
           </a:p>
           <a:p>
-            <a:r>
-              <a:rPr lang="en-US" sz="1800" dirty="0"/>
+            <a:pPr lvl="1"/>
+            <a:r>
+              <a:rPr lang="en-US" sz="1400" dirty="0">
+                <a:latin typeface="Arial"/>
+                <a:cs typeface="Arial"/>
+              </a:rPr>
               <a:t>protecting LAN/Internet interface (firewall)</a:t>
             </a:r>
           </a:p>
           <a:p>
             <a:r>
-              <a:rPr lang="en-US" sz="1800" dirty="0"/>
+              <a:rPr lang="en-US" sz="1800" dirty="0">
+                <a:latin typeface="Arial"/>
+                <a:cs typeface="Arial"/>
+              </a:rPr>
               <a:t>enabling the exchange of encrypted data (VPN)</a:t>
             </a:r>
           </a:p>
           <a:p>
             <a:r>
-              <a:rPr lang="en-US" sz="1800" dirty="0"/>
-              <a:t>Optional SIP relay functionality consists only of the software (on CD or USB) and its documentation checksum of software on CD/USB provided cryptographic algorithms are part of TOE, e.g. RNG</a:t>
-            </a:r>
+              <a:rPr lang="en-US" sz="1800" dirty="0">
+                <a:latin typeface="Arial"/>
+                <a:cs typeface="Arial"/>
+              </a:rPr>
+              <a:t>Optional SIP relay functionality</a:t>
+            </a:r>
+          </a:p>
+          <a:p>
+            <a:r>
+              <a:rPr lang="en-US" sz="1800" dirty="0">
+                <a:latin typeface="Arial"/>
+                <a:cs typeface="Arial"/>
+              </a:rPr>
+              <a:t> consists only of the software (on CD or USB) and its documentation  provided</a:t>
+            </a:r>
+            <a:endParaRPr lang="en-US" dirty="0">
+              <a:latin typeface="Arial"/>
+              <a:cs typeface="Arial"/>
+            </a:endParaRPr>
+          </a:p>
+          <a:p>
+            <a:r>
+              <a:rPr lang="en-US" sz="1800" dirty="0">
+                <a:latin typeface="Arial"/>
+                <a:cs typeface="Arial"/>
+              </a:rPr>
+              <a:t>Cryptographic algorithms are part of TOE, e.g. RNG</a:t>
+            </a:r>
+            <a:endParaRPr lang="en-US">
+              <a:latin typeface="Arial"/>
+              <a:cs typeface="Arial"/>
+            </a:endParaRPr>
           </a:p>
         </p:txBody>
       </p:sp>
@@ -4110,22 +4216,22 @@
         <p:spPr/>
         <p:txBody>
           <a:bodyPr vert="horz" lIns="91440" tIns="45720" rIns="91440" bIns="45720" rtlCol="0" anchor="t">
-            <a:normAutofit fontScale="92500"/>
+            <a:normAutofit/>
           </a:bodyPr>
           <a:lstStyle/>
           <a:p>
             <a:r>
-              <a:rPr lang="en-US" sz="2300" dirty="0">
+              <a:rPr lang="en-US" sz="2000" dirty="0">
                 <a:latin typeface="Arial"/>
                 <a:cs typeface="Arial"/>
               </a:rPr>
               <a:t>EAL 4+</a:t>
             </a:r>
-            <a:endParaRPr lang="en-US" sz="2300" dirty="0"/>
-          </a:p>
-          <a:p>
-            <a:r>
-              <a:rPr lang="en-US" sz="2300" dirty="0">
+            <a:endParaRPr lang="en-US" sz="2000"/>
+          </a:p>
+          <a:p>
+            <a:r>
+              <a:rPr lang="en-US" sz="2000" dirty="0">
                 <a:latin typeface="Arial"/>
                 <a:cs typeface="Arial"/>
               </a:rPr>
@@ -4134,7 +4240,7 @@
           </a:p>
           <a:p>
             <a:r>
-              <a:rPr lang="en-US" sz="2300" dirty="0">
+              <a:rPr lang="en-US" sz="2000" dirty="0">
                 <a:latin typeface="Arial"/>
                 <a:cs typeface="Arial"/>
               </a:rPr>
@@ -4143,7 +4249,7 @@
           </a:p>
           <a:p>
             <a:r>
-              <a:rPr lang="en-US" sz="2300" dirty="0">
+              <a:rPr lang="en-US" sz="2000" dirty="0">
                 <a:latin typeface="Arial"/>
                 <a:cs typeface="Arial"/>
               </a:rPr>
@@ -4152,7 +4258,7 @@
           </a:p>
           <a:p>
             <a:r>
-              <a:rPr lang="en-US" sz="2300" dirty="0">
+              <a:rPr lang="en-US" sz="2000" dirty="0">
                 <a:latin typeface="Arial"/>
                 <a:cs typeface="Arial"/>
               </a:rPr>
@@ -4161,7 +4267,7 @@
           </a:p>
           <a:p>
             <a:r>
-              <a:rPr lang="en-US" sz="2300" dirty="0">
+              <a:rPr lang="en-US" sz="2000" dirty="0">
                 <a:latin typeface="Arial"/>
                 <a:cs typeface="Arial"/>
               </a:rPr>

--- a/certificate_analysis/pv204_project_report.pptx
+++ b/certificate_analysis/pv204_project_report.pptx
@@ -148,6 +148,7 @@
 <file path=ppt/revisionInfo.xml><?xml version="1.0" encoding="utf-8"?>
 <p1510:revInfo xmlns:a="http://schemas.openxmlformats.org/drawingml/2006/main" xmlns:r="http://schemas.openxmlformats.org/officeDocument/2006/relationships" xmlns:p1510="http://schemas.microsoft.com/office/powerpoint/2015/10/main">
   <p1510:revLst>
+    <p1510:client id="{24BE89BF-83A5-02B3-24A1-176C24B47995}" v="36" dt="2020-03-26T08:06:41.264"/>
     <p1510:client id="{71F7E8E8-63C9-777B-2ABF-B238627A0230}" v="4" dt="2020-03-25T22:53:58.544"/>
     <p1510:client id="{7D557538-294E-AFFE-B168-478C568E4451}" v="23" dt="2020-03-26T07:32:13.605"/>
   </p1510:revLst>
@@ -177,6 +178,60 @@
             <ac:spMk id="4" creationId="{C476DE12-CA91-4DA8-8433-90973EFA5D5F}"/>
           </ac:spMkLst>
         </pc:spChg>
+      </pc:sldChg>
+    </pc:docChg>
+  </pc:docChgLst>
+  <pc:docChgLst>
+    <pc:chgData name="Anh Minh Tran" userId="S::459379@muni.cz::b3788d88-cf3d-4b77-970d-ad61f246fa46" providerId="AD" clId="Web-{24BE89BF-83A5-02B3-24A1-176C24B47995}"/>
+    <pc:docChg chg="modSld">
+      <pc:chgData name="Anh Minh Tran" userId="S::459379@muni.cz::b3788d88-cf3d-4b77-970d-ad61f246fa46" providerId="AD" clId="Web-{24BE89BF-83A5-02B3-24A1-176C24B47995}" dt="2020-03-26T08:06:34.280" v="7"/>
+      <pc:docMkLst>
+        <pc:docMk/>
+      </pc:docMkLst>
+      <pc:sldChg chg="modSp">
+        <pc:chgData name="Anh Minh Tran" userId="S::459379@muni.cz::b3788d88-cf3d-4b77-970d-ad61f246fa46" providerId="AD" clId="Web-{24BE89BF-83A5-02B3-24A1-176C24B47995}" dt="2020-03-26T08:06:05.155" v="1"/>
+        <pc:sldMkLst>
+          <pc:docMk/>
+          <pc:sldMk cId="971543479" sldId="270"/>
+        </pc:sldMkLst>
+        <pc:graphicFrameChg chg="mod modGraphic">
+          <ac:chgData name="Anh Minh Tran" userId="S::459379@muni.cz::b3788d88-cf3d-4b77-970d-ad61f246fa46" providerId="AD" clId="Web-{24BE89BF-83A5-02B3-24A1-176C24B47995}" dt="2020-03-26T08:06:05.155" v="1"/>
+          <ac:graphicFrameMkLst>
+            <pc:docMk/>
+            <pc:sldMk cId="971543479" sldId="270"/>
+            <ac:graphicFrameMk id="9" creationId="{F3141FCB-E102-4E7F-A8CC-9E17AF09CD38}"/>
+          </ac:graphicFrameMkLst>
+        </pc:graphicFrameChg>
+      </pc:sldChg>
+      <pc:sldChg chg="modSp">
+        <pc:chgData name="Anh Minh Tran" userId="S::459379@muni.cz::b3788d88-cf3d-4b77-970d-ad61f246fa46" providerId="AD" clId="Web-{24BE89BF-83A5-02B3-24A1-176C24B47995}" dt="2020-03-26T08:06:18.452" v="3"/>
+        <pc:sldMkLst>
+          <pc:docMk/>
+          <pc:sldMk cId="1004322468" sldId="272"/>
+        </pc:sldMkLst>
+        <pc:graphicFrameChg chg="mod modGraphic">
+          <ac:chgData name="Anh Minh Tran" userId="S::459379@muni.cz::b3788d88-cf3d-4b77-970d-ad61f246fa46" providerId="AD" clId="Web-{24BE89BF-83A5-02B3-24A1-176C24B47995}" dt="2020-03-26T08:06:18.452" v="3"/>
+          <ac:graphicFrameMkLst>
+            <pc:docMk/>
+            <pc:sldMk cId="1004322468" sldId="272"/>
+            <ac:graphicFrameMk id="4" creationId="{5BA09208-9C34-478B-A191-3197BAB2AC55}"/>
+          </ac:graphicFrameMkLst>
+        </pc:graphicFrameChg>
+      </pc:sldChg>
+      <pc:sldChg chg="modSp">
+        <pc:chgData name="Anh Minh Tran" userId="S::459379@muni.cz::b3788d88-cf3d-4b77-970d-ad61f246fa46" providerId="AD" clId="Web-{24BE89BF-83A5-02B3-24A1-176C24B47995}" dt="2020-03-26T08:06:34.280" v="7"/>
+        <pc:sldMkLst>
+          <pc:docMk/>
+          <pc:sldMk cId="356703258" sldId="273"/>
+        </pc:sldMkLst>
+        <pc:graphicFrameChg chg="mod modGraphic">
+          <ac:chgData name="Anh Minh Tran" userId="S::459379@muni.cz::b3788d88-cf3d-4b77-970d-ad61f246fa46" providerId="AD" clId="Web-{24BE89BF-83A5-02B3-24A1-176C24B47995}" dt="2020-03-26T08:06:34.280" v="7"/>
+          <ac:graphicFrameMkLst>
+            <pc:docMk/>
+            <pc:sldMk cId="356703258" sldId="273"/>
+            <ac:graphicFrameMk id="4" creationId="{E8E94AAB-66C4-4CF5-8936-79C3DA5EFD36}"/>
+          </ac:graphicFrameMkLst>
+        </pc:graphicFrameChg>
       </pc:sldChg>
     </pc:docChg>
   </pc:docChgLst>
@@ -4540,7 +4595,13 @@
             </a:extLst>
           </p:cNvPr>
           <p:cNvGraphicFramePr/>
-          <p:nvPr/>
+          <p:nvPr>
+            <p:extLst>
+              <p:ext uri="{D42A27DB-BD31-4B8C-83A1-F6EECF244321}">
+                <p14:modId xmlns:p14="http://schemas.microsoft.com/office/powerpoint/2010/main" val="475348415"/>
+              </p:ext>
+            </p:extLst>
+          </p:nvPr>
         </p:nvGraphicFramePr>
         <p:xfrm>
           <a:off x="4655880" y="1920240"/>
@@ -4589,35 +4650,7 @@
                           </a:uFill>
                           <a:latin typeface="Arial"/>
                         </a:rPr>
-                        <a:t>TOE </a:t>
-                      </a:r>
-                      <a:r>
-                        <a:rPr lang="en-US" sz="1600" b="1" strike="noStrike" spc="-1" dirty="0" err="1">
-                          <a:solidFill>
-                            <a:srgbClr val="FFFFFF"/>
-                          </a:solidFill>
-                          <a:uFill>
-                            <a:solidFill>
-                              <a:srgbClr val="FFFFFF"/>
-                            </a:solidFill>
-                          </a:uFill>
-                          <a:latin typeface="Arial"/>
-                        </a:rPr>
-                        <a:t>Scurity</a:t>
-                      </a:r>
-                      <a:r>
-                        <a:rPr lang="en-US" sz="1600" b="1" strike="noStrike" spc="-1" dirty="0">
-                          <a:solidFill>
-                            <a:srgbClr val="FFFFFF"/>
-                          </a:solidFill>
-                          <a:uFill>
-                            <a:solidFill>
-                              <a:srgbClr val="FFFFFF"/>
-                            </a:solidFill>
-                          </a:uFill>
-                          <a:latin typeface="Arial"/>
-                        </a:rPr>
-                        <a:t> Functionality</a:t>
+                        <a:t>TOE Security Functionality</a:t>
                       </a:r>
                       <a:endParaRPr lang="en-US" sz="1800" b="0" strike="noStrike" spc="-1" dirty="0">
                         <a:solidFill>
@@ -4690,7 +4723,7 @@
                         </a:lnSpc>
                       </a:pPr>
                       <a:r>
-                        <a:rPr lang="en-US" sz="1400" b="1" strike="noStrike" spc="-1">
+                        <a:rPr lang="en-US" sz="1400" b="1" strike="noStrike" spc="-1" dirty="0">
                           <a:solidFill>
                             <a:srgbClr val="10243E"/>
                           </a:solidFill>
@@ -4703,7 +4736,7 @@
                         </a:rPr>
                         <a:t>SF_PF</a:t>
                       </a:r>
-                      <a:endParaRPr lang="en-US" sz="1800" b="0" strike="noStrike" spc="-1">
+                      <a:endParaRPr lang="en-US" sz="1800" b="0" strike="noStrike" spc="-1" dirty="0">
                         <a:solidFill>
                           <a:srgbClr val="000000"/>
                         </a:solidFill>
@@ -4757,7 +4790,7 @@
                         </a:lnSpc>
                       </a:pPr>
                       <a:r>
-                        <a:rPr lang="en-US" sz="1400" b="0" strike="noStrike" spc="-1">
+                        <a:rPr lang="en-US" sz="1400" b="0" strike="noStrike" spc="-1" dirty="0">
                           <a:solidFill>
                             <a:srgbClr val="000000"/>
                           </a:solidFill>
@@ -4770,7 +4803,7 @@
                         </a:rPr>
                         <a:t>Packet Filter</a:t>
                       </a:r>
-                      <a:endParaRPr lang="en-US" sz="1800" b="0" strike="noStrike" spc="-1">
+                      <a:endParaRPr lang="en-US" sz="1800" b="0" strike="noStrike" spc="-1" dirty="0">
                         <a:solidFill>
                           <a:srgbClr val="000000"/>
                         </a:solidFill>
@@ -4827,7 +4860,7 @@
                         </a:lnSpc>
                       </a:pPr>
                       <a:r>
-                        <a:rPr lang="en-US" sz="1400" b="1" strike="noStrike" spc="-1">
+                        <a:rPr lang="en-US" sz="1400" b="1" strike="noStrike" spc="-1" dirty="0">
                           <a:solidFill>
                             <a:srgbClr val="10243E"/>
                           </a:solidFill>
@@ -4840,7 +4873,7 @@
                         </a:rPr>
                         <a:t>SF_NS</a:t>
                       </a:r>
-                      <a:endParaRPr lang="en-US" sz="1800" b="0" strike="noStrike" spc="-1">
+                      <a:endParaRPr lang="en-US" sz="1800" b="0" strike="noStrike" spc="-1" dirty="0">
                         <a:solidFill>
                           <a:srgbClr val="000000"/>
                         </a:solidFill>
@@ -4890,7 +4923,7 @@
                         </a:lnSpc>
                       </a:pPr>
                       <a:r>
-                        <a:rPr lang="en-US" sz="1400" b="0" strike="noStrike" spc="-1">
+                        <a:rPr lang="en-US" sz="1400" b="0" strike="noStrike" spc="-1" dirty="0">
                           <a:solidFill>
                             <a:srgbClr val="000000"/>
                           </a:solidFill>
@@ -4903,7 +4936,7 @@
                         </a:rPr>
                         <a:t>Network Separation</a:t>
                       </a:r>
-                      <a:endParaRPr lang="en-US" sz="1800" b="0" strike="noStrike" spc="-1">
+                      <a:endParaRPr lang="en-US" sz="1800" b="0" strike="noStrike" spc="-1" dirty="0">
                         <a:solidFill>
                           <a:srgbClr val="000000"/>
                         </a:solidFill>
@@ -4960,7 +4993,7 @@
                         </a:lnSpc>
                       </a:pPr>
                       <a:r>
-                        <a:rPr lang="en-US" sz="1400" b="1" strike="noStrike" spc="-1">
+                        <a:rPr lang="en-US" sz="1400" b="1" strike="noStrike" spc="-1" dirty="0">
                           <a:solidFill>
                             <a:srgbClr val="10243E"/>
                           </a:solidFill>
@@ -4973,7 +5006,7 @@
                         </a:rPr>
                         <a:t>SF_IPSEC</a:t>
                       </a:r>
-                      <a:endParaRPr lang="en-US" sz="1800" b="0" strike="noStrike" spc="-1">
+                      <a:endParaRPr lang="en-US" sz="1800" b="0" strike="noStrike" spc="-1" dirty="0">
                         <a:solidFill>
                           <a:srgbClr val="000000"/>
                         </a:solidFill>
@@ -5023,7 +5056,7 @@
                         </a:lnSpc>
                       </a:pPr>
                       <a:r>
-                        <a:rPr lang="en-US" sz="1400" b="0" strike="noStrike" spc="-1">
+                        <a:rPr lang="en-US" sz="1400" b="0" strike="noStrike" spc="-1" dirty="0" err="1">
                           <a:solidFill>
                             <a:srgbClr val="000000"/>
                           </a:solidFill>
@@ -5034,9 +5067,23 @@
                           </a:uFill>
                           <a:latin typeface="Arial"/>
                         </a:rPr>
-                        <a:t>IPSec Filtering</a:t>
+                        <a:t>IPSec</a:t>
                       </a:r>
-                      <a:endParaRPr lang="en-US" sz="1800" b="0" strike="noStrike" spc="-1">
+                      <a:r>
+                        <a:rPr lang="en-US" sz="1400" b="0" strike="noStrike" spc="-1" dirty="0">
+                          <a:solidFill>
+                            <a:srgbClr val="000000"/>
+                          </a:solidFill>
+                          <a:uFill>
+                            <a:solidFill>
+                              <a:srgbClr val="FFFFFF"/>
+                            </a:solidFill>
+                          </a:uFill>
+                          <a:latin typeface="Arial"/>
+                        </a:rPr>
+                        <a:t> Filtering</a:t>
+                      </a:r>
+                      <a:endParaRPr lang="en-US" sz="1800" b="0" strike="noStrike" spc="-1" dirty="0">
                         <a:solidFill>
                           <a:srgbClr val="000000"/>
                         </a:solidFill>
@@ -5093,7 +5140,7 @@
                         </a:lnSpc>
                       </a:pPr>
                       <a:r>
-                        <a:rPr lang="en-US" sz="1400" b="1" strike="noStrike" spc="-1">
+                        <a:rPr lang="en-US" sz="1400" b="1" strike="noStrike" spc="-1" dirty="0">
                           <a:solidFill>
                             <a:srgbClr val="10243E"/>
                           </a:solidFill>
@@ -5106,7 +5153,7 @@
                         </a:rPr>
                         <a:t>SF_SIP</a:t>
                       </a:r>
-                      <a:endParaRPr lang="en-US" sz="1800" b="0" strike="noStrike" spc="-1">
+                      <a:endParaRPr lang="en-US" sz="1800" b="0" strike="noStrike" spc="-1" dirty="0">
                         <a:solidFill>
                           <a:srgbClr val="000000"/>
                         </a:solidFill>
@@ -5156,7 +5203,7 @@
                         </a:lnSpc>
                       </a:pPr>
                       <a:r>
-                        <a:rPr lang="en-US" sz="1400" b="0" strike="noStrike" spc="-1">
+                        <a:rPr lang="en-US" sz="1400" b="0" strike="noStrike" spc="-1" dirty="0">
                           <a:solidFill>
                             <a:srgbClr val="000000"/>
                           </a:solidFill>
@@ -5169,7 +5216,7 @@
                         </a:rPr>
                         <a:t>SIP Relay</a:t>
                       </a:r>
-                      <a:endParaRPr lang="en-US" sz="1800" b="0" strike="noStrike" spc="-1">
+                      <a:endParaRPr lang="en-US" sz="1800" b="0" strike="noStrike" spc="-1" dirty="0">
                         <a:solidFill>
                           <a:srgbClr val="000000"/>
                         </a:solidFill>
@@ -5226,7 +5273,7 @@
                         </a:lnSpc>
                       </a:pPr>
                       <a:r>
-                        <a:rPr lang="en-US" sz="1400" b="1" strike="noStrike" spc="-1">
+                        <a:rPr lang="en-US" sz="1400" b="1" strike="noStrike" spc="-1" dirty="0">
                           <a:solidFill>
                             <a:srgbClr val="10243E"/>
                           </a:solidFill>
@@ -5239,7 +5286,7 @@
                         </a:rPr>
                         <a:t>SF_IA</a:t>
                       </a:r>
-                      <a:endParaRPr lang="en-US" sz="1800" b="0" strike="noStrike" spc="-1">
+                      <a:endParaRPr lang="en-US" sz="1800" b="0" strike="noStrike" spc="-1" dirty="0">
                         <a:solidFill>
                           <a:srgbClr val="000000"/>
                         </a:solidFill>
@@ -5289,7 +5336,7 @@
                         </a:lnSpc>
                       </a:pPr>
                       <a:r>
-                        <a:rPr lang="en-US" sz="1400" b="0" strike="noStrike" spc="-1">
+                        <a:rPr lang="en-US" sz="1400" b="0" strike="noStrike" spc="-1" dirty="0">
                           <a:solidFill>
                             <a:srgbClr val="000000"/>
                           </a:solidFill>
@@ -5302,7 +5349,7 @@
                         </a:rPr>
                         <a:t>Identification and Authentication</a:t>
                       </a:r>
-                      <a:endParaRPr lang="en-US" sz="1800" b="0" strike="noStrike" spc="-1">
+                      <a:endParaRPr lang="en-US" sz="1800" b="0" strike="noStrike" spc="-1" dirty="0">
                         <a:solidFill>
                           <a:srgbClr val="000000"/>
                         </a:solidFill>
@@ -5359,7 +5406,7 @@
                         </a:lnSpc>
                       </a:pPr>
                       <a:r>
-                        <a:rPr lang="en-US" sz="1400" b="1" strike="noStrike" spc="-1">
+                        <a:rPr lang="en-US" sz="1400" b="1" strike="noStrike" spc="-1" dirty="0">
                           <a:solidFill>
                             <a:srgbClr val="10243E"/>
                           </a:solidFill>
@@ -5372,7 +5419,7 @@
                         </a:rPr>
                         <a:t>SF_AU</a:t>
                       </a:r>
-                      <a:endParaRPr lang="en-US" sz="1800" b="0" strike="noStrike" spc="-1">
+                      <a:endParaRPr lang="en-US" sz="1800" b="0" strike="noStrike" spc="-1" dirty="0">
                         <a:solidFill>
                           <a:srgbClr val="000000"/>
                         </a:solidFill>
@@ -5422,7 +5469,7 @@
                         </a:lnSpc>
                       </a:pPr>
                       <a:r>
-                        <a:rPr lang="en-US" sz="1400" b="0" strike="noStrike" spc="-1">
+                        <a:rPr lang="en-US" sz="1400" b="0" strike="noStrike" spc="-1" dirty="0">
                           <a:solidFill>
                             <a:srgbClr val="000000"/>
                           </a:solidFill>
@@ -5435,7 +5482,7 @@
                         </a:rPr>
                         <a:t>Audit</a:t>
                       </a:r>
-                      <a:endParaRPr lang="en-US" sz="1800" b="0" strike="noStrike" spc="-1">
+                      <a:endParaRPr lang="en-US" sz="1800" b="0" strike="noStrike" spc="-1" dirty="0">
                         <a:solidFill>
                           <a:srgbClr val="000000"/>
                         </a:solidFill>
@@ -5492,7 +5539,7 @@
                         </a:lnSpc>
                       </a:pPr>
                       <a:r>
-                        <a:rPr lang="en-US" sz="1400" b="1" strike="noStrike" spc="-1">
+                        <a:rPr lang="en-US" sz="1400" b="1" strike="noStrike" spc="-1" dirty="0">
                           <a:solidFill>
                             <a:srgbClr val="10243E"/>
                           </a:solidFill>
@@ -5505,7 +5552,7 @@
                         </a:rPr>
                         <a:t>SF_SSH</a:t>
                       </a:r>
-                      <a:endParaRPr lang="en-US" sz="1800" b="0" strike="noStrike" spc="-1">
+                      <a:endParaRPr lang="en-US" sz="1800" b="0" strike="noStrike" spc="-1" dirty="0">
                         <a:solidFill>
                           <a:srgbClr val="000000"/>
                         </a:solidFill>
@@ -5625,7 +5672,7 @@
                         </a:lnSpc>
                       </a:pPr>
                       <a:r>
-                        <a:rPr lang="en-US" sz="1400" b="1" strike="noStrike" spc="-1">
+                        <a:rPr lang="en-US" sz="1400" b="1" strike="noStrike" spc="-1" dirty="0">
                           <a:solidFill>
                             <a:srgbClr val="10243E"/>
                           </a:solidFill>
@@ -5638,7 +5685,7 @@
                         </a:rPr>
                         <a:t>SF_ADM</a:t>
                       </a:r>
-                      <a:endParaRPr lang="en-US" sz="1800" b="0" strike="noStrike" spc="-1">
+                      <a:endParaRPr lang="en-US" sz="1800" b="0" strike="noStrike" spc="-1" dirty="0">
                         <a:solidFill>
                           <a:srgbClr val="000000"/>
                         </a:solidFill>
@@ -5688,7 +5735,7 @@
                         </a:lnSpc>
                       </a:pPr>
                       <a:r>
-                        <a:rPr lang="en-US" sz="1400" b="0" strike="noStrike" spc="-1">
+                        <a:rPr lang="en-US" sz="1400" b="0" strike="noStrike" spc="-1" dirty="0">
                           <a:solidFill>
                             <a:srgbClr val="000000"/>
                           </a:solidFill>
@@ -5701,7 +5748,7 @@
                         </a:rPr>
                         <a:t>Administration</a:t>
                       </a:r>
-                      <a:endParaRPr lang="en-US" sz="1800" b="0" strike="noStrike" spc="-1">
+                      <a:endParaRPr lang="en-US" sz="1800" b="0" strike="noStrike" spc="-1" dirty="0">
                         <a:solidFill>
                           <a:srgbClr val="000000"/>
                         </a:solidFill>
@@ -7600,7 +7647,7 @@
           <p:nvPr>
             <p:extLst>
               <p:ext uri="{D42A27DB-BD31-4B8C-83A1-F6EECF244321}">
-                <p14:modId xmlns:p14="http://schemas.microsoft.com/office/powerpoint/2010/main" val="1440157011"/>
+                <p14:modId xmlns:p14="http://schemas.microsoft.com/office/powerpoint/2010/main" val="2230346168"/>
               </p:ext>
             </p:extLst>
           </p:nvPr>
@@ -7803,25 +7850,10 @@
                               <a:srgbClr val="FFFFFF"/>
                             </a:solidFill>
                           </a:uFill>
-                          <a:latin typeface="Arial" panose="020B0604020202020204" pitchFamily="34" charset="0"/>
-                          <a:cs typeface="Arial" panose="020B0604020202020204" pitchFamily="34" charset="0"/>
+                          <a:latin typeface="Arial"/>
+                          <a:cs typeface="Arial"/>
                         </a:rPr>
-                        <a:t>Anonymous user enters a system without </a:t>
-                      </a:r>
-                      <a:r>
-                        <a:rPr lang="en-US" sz="1200" b="0" strike="noStrike" spc="-1" dirty="0" err="1">
-                          <a:solidFill>
-                            <a:srgbClr val="000000"/>
-                          </a:solidFill>
-                          <a:uFill>
-                            <a:solidFill>
-                              <a:srgbClr val="FFFFFF"/>
-                            </a:solidFill>
-                          </a:uFill>
-                          <a:latin typeface="Arial" panose="020B0604020202020204" pitchFamily="34" charset="0"/>
-                          <a:cs typeface="Arial" panose="020B0604020202020204" pitchFamily="34" charset="0"/>
-                        </a:rPr>
-                        <a:t>athentication</a:t>
+                        <a:t>Anonymous user enters a system without authentication</a:t>
                       </a:r>
                       <a:endParaRPr lang="en-US" sz="1200" b="0" strike="noStrike" spc="-1" dirty="0">
                         <a:solidFill>
@@ -7881,7 +7913,7 @@
                         </a:lnSpc>
                       </a:pPr>
                       <a:r>
-                        <a:rPr lang="en-US" sz="1100" b="1" strike="noStrike" spc="-1">
+                        <a:rPr lang="en-US" sz="1100" b="1" strike="noStrike" spc="-1" dirty="0">
                           <a:solidFill>
                             <a:srgbClr val="000000"/>
                           </a:solidFill>
@@ -7890,12 +7922,12 @@
                               <a:srgbClr val="FFFFFF"/>
                             </a:solidFill>
                           </a:uFill>
-                          <a:latin typeface="Arial" panose="020B0604020202020204" pitchFamily="34" charset="0"/>
-                          <a:cs typeface="Arial" panose="020B0604020202020204" pitchFamily="34" charset="0"/>
+                          <a:latin typeface="Arial"/>
+                          <a:cs typeface="Arial"/>
                         </a:rPr>
                         <a:t>T.SNIFF</a:t>
                       </a:r>
-                      <a:endParaRPr lang="en-US" sz="1100" b="0" strike="noStrike" spc="-1">
+                      <a:endParaRPr lang="en-US" sz="1100" b="0" strike="noStrike" spc="-1" dirty="0">
                         <a:solidFill>
                           <a:srgbClr val="000000"/>
                         </a:solidFill>
@@ -7904,8 +7936,8 @@
                             <a:srgbClr val="FFFFFF"/>
                           </a:solidFill>
                         </a:uFill>
-                        <a:latin typeface="Arial" panose="020B0604020202020204" pitchFamily="34" charset="0"/>
-                        <a:cs typeface="Arial" panose="020B0604020202020204" pitchFamily="34" charset="0"/>
+                        <a:latin typeface="Arial"/>
+                        <a:cs typeface="Arial"/>
                       </a:endParaRPr>
                     </a:p>
                   </a:txBody>
@@ -8256,7 +8288,7 @@
                         </a:lnSpc>
                       </a:pPr>
                       <a:r>
-                        <a:rPr lang="en-US" sz="1100" b="1" strike="noStrike" spc="-1">
+                        <a:rPr lang="en-US" sz="1100" b="1" strike="noStrike" spc="-1" dirty="0">
                           <a:solidFill>
                             <a:srgbClr val="000000"/>
                           </a:solidFill>
@@ -8265,12 +8297,12 @@
                               <a:srgbClr val="FFFFFF"/>
                             </a:solidFill>
                           </a:uFill>
-                          <a:latin typeface="Arial" panose="020B0604020202020204" pitchFamily="34" charset="0"/>
-                          <a:cs typeface="Arial" panose="020B0604020202020204" pitchFamily="34" charset="0"/>
+                          <a:latin typeface="Arial"/>
+                          <a:cs typeface="Arial"/>
                         </a:rPr>
                         <a:t>T.MSNIFF</a:t>
                       </a:r>
-                      <a:endParaRPr lang="en-US" sz="1100" b="0" strike="noStrike" spc="-1">
+                      <a:endParaRPr lang="en-US" sz="1100" b="0" strike="noStrike" spc="-1" dirty="0">
                         <a:solidFill>
                           <a:srgbClr val="000000"/>
                         </a:solidFill>
@@ -8279,8 +8311,8 @@
                             <a:srgbClr val="FFFFFF"/>
                           </a:solidFill>
                         </a:uFill>
-                        <a:latin typeface="Arial" panose="020B0604020202020204" pitchFamily="34" charset="0"/>
-                        <a:cs typeface="Arial" panose="020B0604020202020204" pitchFamily="34" charset="0"/>
+                        <a:latin typeface="Arial"/>
+                        <a:cs typeface="Arial"/>
                       </a:endParaRPr>
                     </a:p>
                   </a:txBody>
@@ -8381,7 +8413,7 @@
                         </a:lnSpc>
                       </a:pPr>
                       <a:r>
-                        <a:rPr lang="en-US" sz="1100" b="1" strike="noStrike" spc="-1">
+                        <a:rPr lang="en-US" sz="1100" b="1" strike="noStrike" spc="-1" dirty="0">
                           <a:solidFill>
                             <a:srgbClr val="000000"/>
                           </a:solidFill>
@@ -8390,12 +8422,12 @@
                               <a:srgbClr val="FFFFFF"/>
                             </a:solidFill>
                           </a:uFill>
-                          <a:latin typeface="Arial" panose="020B0604020202020204" pitchFamily="34" charset="0"/>
-                          <a:cs typeface="Arial" panose="020B0604020202020204" pitchFamily="34" charset="0"/>
+                          <a:latin typeface="Arial"/>
+                          <a:cs typeface="Arial"/>
                         </a:rPr>
                         <a:t>T.MODIFY</a:t>
                       </a:r>
-                      <a:endParaRPr lang="en-US" sz="1100" b="0" strike="noStrike" spc="-1">
+                      <a:endParaRPr lang="en-US" sz="1100" b="0" strike="noStrike" spc="-1" dirty="0">
                         <a:solidFill>
                           <a:srgbClr val="000000"/>
                         </a:solidFill>
@@ -8404,8 +8436,8 @@
                             <a:srgbClr val="FFFFFF"/>
                           </a:solidFill>
                         </a:uFill>
-                        <a:latin typeface="Arial" panose="020B0604020202020204" pitchFamily="34" charset="0"/>
-                        <a:cs typeface="Arial" panose="020B0604020202020204" pitchFamily="34" charset="0"/>
+                        <a:latin typeface="Arial"/>
+                        <a:cs typeface="Arial"/>
                       </a:endParaRPr>
                     </a:p>
                   </a:txBody>
@@ -8881,7 +8913,7 @@
           <p:nvPr>
             <p:extLst>
               <p:ext uri="{D42A27DB-BD31-4B8C-83A1-F6EECF244321}">
-                <p14:modId xmlns:p14="http://schemas.microsoft.com/office/powerpoint/2010/main" val="2413760630"/>
+                <p14:modId xmlns:p14="http://schemas.microsoft.com/office/powerpoint/2010/main" val="3230814293"/>
               </p:ext>
             </p:extLst>
           </p:nvPr>
@@ -8922,7 +8954,7 @@
                         </a:lnSpc>
                       </a:pPr>
                       <a:r>
-                        <a:rPr lang="en-US" sz="1800" b="1" strike="noStrike" spc="-1">
+                        <a:rPr lang="en-US" sz="1800" b="1" strike="noStrike" spc="-1" dirty="0">
                           <a:solidFill>
                             <a:srgbClr val="FFFFFF"/>
                           </a:solidFill>
@@ -8931,12 +8963,12 @@
                               <a:srgbClr val="FFFFFF"/>
                             </a:solidFill>
                           </a:uFill>
-                          <a:latin typeface="Calibri" panose="020F0502020204030204" pitchFamily="34" charset="0"/>
-                          <a:cs typeface="Calibri" panose="020F0502020204030204" pitchFamily="34" charset="0"/>
+                          <a:latin typeface="Calibri"/>
+                          <a:cs typeface="Calibri"/>
                         </a:rPr>
                         <a:t>Assumptions</a:t>
                       </a:r>
-                      <a:endParaRPr lang="en-US" sz="1800" b="0" strike="noStrike" spc="-1">
+                      <a:endParaRPr lang="en-US" sz="1800" b="0" strike="noStrike" spc="-1" dirty="0">
                         <a:solidFill>
                           <a:srgbClr val="000000"/>
                         </a:solidFill>
@@ -8945,8 +8977,8 @@
                             <a:srgbClr val="FFFFFF"/>
                           </a:solidFill>
                         </a:uFill>
-                        <a:latin typeface="Calibri" panose="020F0502020204030204" pitchFamily="34" charset="0"/>
-                        <a:cs typeface="Calibri" panose="020F0502020204030204" pitchFamily="34" charset="0"/>
+                        <a:latin typeface="Calibri"/>
+                        <a:cs typeface="Calibri"/>
                       </a:endParaRPr>
                     </a:p>
                   </a:txBody>
@@ -9211,70 +9243,10 @@
                               <a:srgbClr val="FFFFFF"/>
                             </a:solidFill>
                           </a:uFill>
-                          <a:latin typeface="Arial" panose="020B0604020202020204" pitchFamily="34" charset="0"/>
-                          <a:cs typeface="Arial" panose="020B0604020202020204" pitchFamily="34" charset="0"/>
+                          <a:latin typeface="Arial"/>
+                          <a:cs typeface="Arial"/>
                         </a:rPr>
-                        <a:t>The TOE was </a:t>
-                      </a:r>
-                      <a:r>
-                        <a:rPr lang="en-US" sz="1200" b="0" strike="noStrike" spc="-1" dirty="0" err="1">
-                          <a:solidFill>
-                            <a:srgbClr val="000000"/>
-                          </a:solidFill>
-                          <a:uFill>
-                            <a:solidFill>
-                              <a:srgbClr val="FFFFFF"/>
-                            </a:solidFill>
-                          </a:uFill>
-                          <a:latin typeface="Arial" panose="020B0604020202020204" pitchFamily="34" charset="0"/>
-                          <a:cs typeface="Arial" panose="020B0604020202020204" pitchFamily="34" charset="0"/>
-                        </a:rPr>
-                        <a:t>initialised</a:t>
-                      </a:r>
-                      <a:r>
-                        <a:rPr lang="en-US" sz="1200" b="0" strike="noStrike" spc="-1" dirty="0">
-                          <a:solidFill>
-                            <a:srgbClr val="000000"/>
-                          </a:solidFill>
-                          <a:uFill>
-                            <a:solidFill>
-                              <a:srgbClr val="FFFFFF"/>
-                            </a:solidFill>
-                          </a:uFill>
-                          <a:latin typeface="Arial" panose="020B0604020202020204" pitchFamily="34" charset="0"/>
-                          <a:cs typeface="Arial" panose="020B0604020202020204" pitchFamily="34" charset="0"/>
-                        </a:rPr>
-                        <a:t> according to the procedure described in the </a:t>
-                      </a:r>
-                      <a:r>
-                        <a:rPr lang="en-US" sz="1200" b="0" strike="noStrike" spc="-1" dirty="0" err="1">
-                          <a:solidFill>
-                            <a:srgbClr val="000000"/>
-                          </a:solidFill>
-                          <a:uFill>
-                            <a:solidFill>
-                              <a:srgbClr val="FFFFFF"/>
-                            </a:solidFill>
-                          </a:uFill>
-                          <a:latin typeface="Arial" panose="020B0604020202020204" pitchFamily="34" charset="0"/>
-                          <a:cs typeface="Arial" panose="020B0604020202020204" pitchFamily="34" charset="0"/>
-                        </a:rPr>
-                        <a:t>docu</a:t>
-                      </a:r>
-                      <a:r>
-                        <a:rPr lang="en-US" sz="1200" b="0" strike="noStrike" spc="-1" dirty="0">
-                          <a:solidFill>
-                            <a:srgbClr val="000000"/>
-                          </a:solidFill>
-                          <a:uFill>
-                            <a:solidFill>
-                              <a:srgbClr val="FFFFFF"/>
-                            </a:solidFill>
-                          </a:uFill>
-                          <a:latin typeface="Arial" panose="020B0604020202020204" pitchFamily="34" charset="0"/>
-                          <a:cs typeface="Arial" panose="020B0604020202020204" pitchFamily="34" charset="0"/>
-                        </a:rPr>
-                        <a:t>-mentation.</a:t>
+                        <a:t>The TOE was initialized according to the procedure described in the documentation.</a:t>
                       </a:r>
                     </a:p>
                   </a:txBody>
@@ -10021,8 +9993,8 @@
                               <a:srgbClr val="FFFFFF"/>
                             </a:solidFill>
                           </a:uFill>
-                          <a:latin typeface="Arial" panose="020B0604020202020204" pitchFamily="34" charset="0"/>
-                          <a:cs typeface="Arial" panose="020B0604020202020204" pitchFamily="34" charset="0"/>
+                          <a:latin typeface="Arial"/>
+                          <a:cs typeface="Arial"/>
                         </a:rPr>
                         <a:t>The server for external LDAP authentication of </a:t>
                       </a:r>
@@ -10036,8 +10008,8 @@
                               <a:srgbClr val="FFFFFF"/>
                             </a:solidFill>
                           </a:uFill>
-                          <a:latin typeface="Arial" panose="020B0604020202020204" pitchFamily="34" charset="0"/>
-                          <a:cs typeface="Arial" panose="020B0604020202020204" pitchFamily="34" charset="0"/>
+                          <a:latin typeface="Arial"/>
+                          <a:cs typeface="Arial"/>
                         </a:rPr>
                         <a:t>genucenter</a:t>
                       </a:r>
@@ -10051,8 +10023,8 @@
                               <a:srgbClr val="FFFFFF"/>
                             </a:solidFill>
                           </a:uFill>
-                          <a:latin typeface="Arial" panose="020B0604020202020204" pitchFamily="34" charset="0"/>
-                          <a:cs typeface="Arial" panose="020B0604020202020204" pitchFamily="34" charset="0"/>
+                          <a:latin typeface="Arial"/>
+                          <a:cs typeface="Arial"/>
                         </a:rPr>
                         <a:t> administrators and revisors is located in a secure network.</a:t>
                       </a:r>
